--- a/Presentationv1.pptx
+++ b/Presentationv1.pptx
@@ -44,8 +44,8 @@
     <p:sldId id="279" r:id="rId35"/>
     <p:sldId id="280" r:id="rId36"/>
     <p:sldId id="281" r:id="rId37"/>
-    <p:sldId id="299" r:id="rId38"/>
-    <p:sldId id="300" r:id="rId39"/>
+    <p:sldId id="305" r:id="rId38"/>
+    <p:sldId id="299" r:id="rId39"/>
   </p:sldIdLst>
   <p:sldSz cx="12192000" cy="6858000"/>
   <p:notesSz cx="6858000" cy="9144000"/>
@@ -19155,6 +19155,36 @@
           <a:chExt cx="0" cy="0"/>
         </a:xfrm>
       </p:grpSpPr>
+      <p:pic>
+        <p:nvPicPr>
+          <p:cNvPr id="2" name="Picture 1">
+            <a:extLst>
+              <a:ext uri="{FF2B5EF4-FFF2-40B4-BE49-F238E27FC236}">
+                <a16:creationId xmlns:a16="http://schemas.microsoft.com/office/drawing/2014/main" id="{52C85899-EF54-49AF-AA4B-8409A3E0EC56}"/>
+              </a:ext>
+            </a:extLst>
+          </p:cNvPr>
+          <p:cNvPicPr>
+            <a:picLocks noChangeAspect="1"/>
+          </p:cNvPicPr>
+          <p:nvPr/>
+        </p:nvPicPr>
+        <p:blipFill>
+          <a:blip r:embed="rId3"/>
+          <a:stretch>
+            <a:fillRect/>
+          </a:stretch>
+        </p:blipFill>
+        <p:spPr>
+          <a:xfrm>
+            <a:off x="2829907" y="1471458"/>
+            <a:ext cx="6532185" cy="4904423"/>
+          </a:xfrm>
+          <a:prstGeom prst="rect">
+            <a:avLst/>
+          </a:prstGeom>
+        </p:spPr>
+      </p:pic>
       <p:sp>
         <p:nvSpPr>
           <p:cNvPr id="3" name="Content Placeholder 2">
@@ -19227,7 +19257,7 @@
           <p:nvPr/>
         </p:nvPicPr>
         <p:blipFill>
-          <a:blip r:embed="rId3" cstate="hqprint">
+          <a:blip r:embed="rId4" cstate="hqprint">
             <a:extLst>
               <a:ext uri="{28A0092B-C50C-407E-A947-70E740481C1C}">
                 <a14:useLocalDpi xmlns:a14="http://schemas.microsoft.com/office/drawing/2010/main" val="0"/>
@@ -19302,42 +19332,6 @@
           </a:p>
         </p:txBody>
       </p:sp>
-      <p:pic>
-        <p:nvPicPr>
-          <p:cNvPr id="7" name="Picture 6" descr="A close up of a map&#10;&#10;Description generated with very high confidence">
-            <a:extLst>
-              <a:ext uri="{FF2B5EF4-FFF2-40B4-BE49-F238E27FC236}">
-                <a16:creationId xmlns:a16="http://schemas.microsoft.com/office/drawing/2014/main" id="{A3A4B4E2-A12D-4E6B-A832-EB9BA7B41BEB}"/>
-              </a:ext>
-            </a:extLst>
-          </p:cNvPr>
-          <p:cNvPicPr>
-            <a:picLocks noChangeAspect="1"/>
-          </p:cNvPicPr>
-          <p:nvPr/>
-        </p:nvPicPr>
-        <p:blipFill>
-          <a:blip r:embed="rId4">
-            <a:extLst>
-              <a:ext uri="{28A0092B-C50C-407E-A947-70E740481C1C}">
-                <a14:useLocalDpi xmlns:a14="http://schemas.microsoft.com/office/drawing/2010/main" val="0"/>
-              </a:ext>
-            </a:extLst>
-          </a:blip>
-          <a:stretch>
-            <a:fillRect/>
-          </a:stretch>
-        </p:blipFill>
-        <p:spPr>
-          <a:xfrm>
-            <a:off x="2922270" y="1416368"/>
-            <a:ext cx="6347460" cy="4760595"/>
-          </a:xfrm>
-          <a:prstGeom prst="rect">
-            <a:avLst/>
-          </a:prstGeom>
-        </p:spPr>
-      </p:pic>
     </p:spTree>
     <p:extLst>
       <p:ext uri="{BB962C8B-B14F-4D97-AF65-F5344CB8AC3E}">
@@ -21798,10 +21792,10 @@
       </p:grpSpPr>
       <p:pic>
         <p:nvPicPr>
-          <p:cNvPr id="6" name="Content Placeholder 5">
+          <p:cNvPr id="9" name="Content Placeholder 8" descr="A screenshot of a cell phone&#10;&#10;Description generated with very high confidence">
             <a:extLst>
               <a:ext uri="{FF2B5EF4-FFF2-40B4-BE49-F238E27FC236}">
-                <a16:creationId xmlns:a16="http://schemas.microsoft.com/office/drawing/2014/main" id="{085CB1BE-2568-4D36-962B-9B304C3A7293}"/>
+                <a16:creationId xmlns:a16="http://schemas.microsoft.com/office/drawing/2014/main" id="{CDA0C752-0EF3-4A8B-BFBF-72387CB63C76}"/>
               </a:ext>
             </a:extLst>
           </p:cNvPr>
@@ -21826,8 +21820,8 @@
         </p:blipFill>
         <p:spPr>
           <a:xfrm>
-            <a:off x="838200" y="1127760"/>
-            <a:ext cx="6733117" cy="5049838"/>
+            <a:off x="838502" y="1144905"/>
+            <a:ext cx="6090920" cy="4568190"/>
           </a:xfrm>
         </p:spPr>
       </p:pic>
@@ -21937,7 +21931,7 @@
         <p:spPr>
           <a:xfrm>
             <a:off x="7571317" y="1127760"/>
-            <a:ext cx="3782483" cy="4955203"/>
+            <a:ext cx="3782483" cy="3046988"/>
           </a:xfrm>
           <a:prstGeom prst="rect">
             <a:avLst/>
@@ -21966,7 +21960,7 @@
             </a:pPr>
             <a:r>
               <a:rPr lang="en-CA" sz="2400" dirty="0"/>
-              <a:t>Prevent customers from leaving our restaurant</a:t>
+              <a:t>Prevent customers from leaving the restaurant</a:t>
             </a:r>
           </a:p>
           <a:p>
@@ -21989,257 +21983,14 @@
               <a:t>But not increase the average number of occasions of sharing tables significantly</a:t>
             </a:r>
           </a:p>
-          <a:p>
-            <a:pPr lvl="1">
-              <a:spcAft>
-                <a:spcPts val="1200"/>
-              </a:spcAft>
-            </a:pPr>
-            <a:r>
-              <a:rPr lang="en-CA" sz="1600" dirty="0">
-                <a:solidFill>
-                  <a:schemeClr val="accent2"/>
-                </a:solidFill>
-              </a:rPr>
-              <a:t>Avg. number of customers who share tables (per day): </a:t>
-            </a:r>
-          </a:p>
-          <a:p>
-            <a:r>
-              <a:rPr lang="en-CA" sz="1600" dirty="0">
-                <a:solidFill>
-                  <a:schemeClr val="accent2"/>
-                </a:solidFill>
-              </a:rPr>
-              <a:t>	Naïve solution: </a:t>
-            </a:r>
-            <a:r>
-              <a:rPr lang="en-CA" sz="1600" b="1" dirty="0">
-                <a:solidFill>
-                  <a:schemeClr val="accent2"/>
-                </a:solidFill>
-              </a:rPr>
-              <a:t>6.5</a:t>
-            </a:r>
-          </a:p>
-          <a:p>
-            <a:r>
-              <a:rPr lang="en-CA" sz="1600" dirty="0">
-                <a:solidFill>
-                  <a:schemeClr val="accent2"/>
-                </a:solidFill>
-              </a:rPr>
-              <a:t>	Greedy solution: </a:t>
-            </a:r>
-            <a:r>
-              <a:rPr lang="en-CA" sz="1600" b="1" dirty="0">
-                <a:solidFill>
-                  <a:schemeClr val="accent2"/>
-                </a:solidFill>
-              </a:rPr>
-              <a:t>1.1</a:t>
-            </a:r>
-          </a:p>
-          <a:p>
-            <a:r>
-              <a:rPr lang="en-CA" sz="1600" dirty="0">
-                <a:solidFill>
-                  <a:schemeClr val="accent2"/>
-                </a:solidFill>
-              </a:rPr>
-              <a:t>	Golden section VNS (policy 1): </a:t>
-            </a:r>
-            <a:r>
-              <a:rPr lang="en-CA" sz="1600" b="1" dirty="0">
-                <a:solidFill>
-                  <a:schemeClr val="accent2"/>
-                </a:solidFill>
-              </a:rPr>
-              <a:t>1.1</a:t>
-            </a:r>
-          </a:p>
-          <a:p>
-            <a:r>
-              <a:rPr lang="en-CA" sz="1600" dirty="0">
-                <a:solidFill>
-                  <a:schemeClr val="accent2"/>
-                </a:solidFill>
-              </a:rPr>
-              <a:t>	Golden section VNS (policy 2): </a:t>
-            </a:r>
-            <a:r>
-              <a:rPr lang="en-CA" sz="1600" b="1" dirty="0">
-                <a:solidFill>
-                  <a:schemeClr val="accent2"/>
-                </a:solidFill>
-              </a:rPr>
-              <a:t>1.3</a:t>
-            </a:r>
-          </a:p>
         </p:txBody>
       </p:sp>
-    </p:spTree>
-    <p:extLst>
-      <p:ext uri="{BB962C8B-B14F-4D97-AF65-F5344CB8AC3E}">
-        <p14:creationId xmlns:p14="http://schemas.microsoft.com/office/powerpoint/2010/main" val="3841013724"/>
-      </p:ext>
-    </p:extLst>
-  </p:cSld>
-  <p:clrMapOvr>
-    <a:masterClrMapping/>
-  </p:clrMapOvr>
-</p:sld>
-</file>
-
-<file path=ppt/slides/slide38.xml><?xml version="1.0" encoding="utf-8"?>
-<p:sld xmlns:a="http://schemas.openxmlformats.org/drawingml/2006/main" xmlns:r="http://schemas.openxmlformats.org/officeDocument/2006/relationships" xmlns:p="http://schemas.openxmlformats.org/presentationml/2006/main">
-  <p:cSld>
-    <p:spTree>
-      <p:nvGrpSpPr>
-        <p:cNvPr id="1" name=""/>
-        <p:cNvGrpSpPr/>
-        <p:nvPr/>
-      </p:nvGrpSpPr>
-      <p:grpSpPr>
-        <a:xfrm>
-          <a:off x="0" y="0"/>
-          <a:ext cx="0" cy="0"/>
-          <a:chOff x="0" y="0"/>
-          <a:chExt cx="0" cy="0"/>
-        </a:xfrm>
-      </p:grpSpPr>
-      <p:pic>
-        <p:nvPicPr>
-          <p:cNvPr id="8" name="Content Placeholder 7" descr="A screenshot of a cell phone&#10;&#10;Description generated with high confidence">
-            <a:extLst>
-              <a:ext uri="{FF2B5EF4-FFF2-40B4-BE49-F238E27FC236}">
-                <a16:creationId xmlns:a16="http://schemas.microsoft.com/office/drawing/2014/main" id="{21796F14-5067-460F-BCAA-0AF7EEB2CDE9}"/>
-              </a:ext>
-            </a:extLst>
-          </p:cNvPr>
-          <p:cNvPicPr>
-            <a:picLocks noGrp="1" noChangeAspect="1"/>
-          </p:cNvPicPr>
-          <p:nvPr>
-            <p:ph idx="1"/>
-          </p:nvPr>
-        </p:nvPicPr>
-        <p:blipFill>
-          <a:blip r:embed="rId2">
-            <a:extLst>
-              <a:ext uri="{28A0092B-C50C-407E-A947-70E740481C1C}">
-                <a14:useLocalDpi xmlns:a14="http://schemas.microsoft.com/office/drawing/2010/main" val="0"/>
-              </a:ext>
-            </a:extLst>
-          </a:blip>
-          <a:stretch>
-            <a:fillRect/>
-          </a:stretch>
-        </p:blipFill>
-        <p:spPr>
-          <a:xfrm>
-            <a:off x="474753" y="1113526"/>
-            <a:ext cx="6286713" cy="4715035"/>
-          </a:xfrm>
-        </p:spPr>
-      </p:pic>
       <p:sp>
         <p:nvSpPr>
-          <p:cNvPr id="4" name="Title 1">
+          <p:cNvPr id="14" name="TextBox 13">
             <a:extLst>
               <a:ext uri="{FF2B5EF4-FFF2-40B4-BE49-F238E27FC236}">
-                <a16:creationId xmlns:a16="http://schemas.microsoft.com/office/drawing/2014/main" id="{BED9B4B6-A2F7-429A-BC0B-C80004A4CE86}"/>
-              </a:ext>
-            </a:extLst>
-          </p:cNvPr>
-          <p:cNvSpPr txBox="1">
-            <a:spLocks/>
-          </p:cNvSpPr>
-          <p:nvPr/>
-        </p:nvSpPr>
-        <p:spPr>
-          <a:xfrm>
-            <a:off x="838200" y="365125"/>
-            <a:ext cx="10515600" cy="762635"/>
-          </a:xfrm>
-          <a:prstGeom prst="rect">
-            <a:avLst/>
-          </a:prstGeom>
-        </p:spPr>
-        <p:txBody>
-          <a:bodyPr vert="horz" lIns="91440" tIns="45720" rIns="91440" bIns="45720" rtlCol="0" anchor="ctr">
-            <a:normAutofit/>
-          </a:bodyPr>
-          <a:lstStyle>
-            <a:lvl1pPr algn="l" defTabSz="914400" rtl="0" eaLnBrk="1" latinLnBrk="0" hangingPunct="1">
-              <a:lnSpc>
-                <a:spcPct val="90000"/>
-              </a:lnSpc>
-              <a:spcBef>
-                <a:spcPct val="0"/>
-              </a:spcBef>
-              <a:buNone/>
-              <a:defRPr sz="4400" kern="1200">
-                <a:solidFill>
-                  <a:schemeClr val="tx1"/>
-                </a:solidFill>
-                <a:latin typeface="+mj-lt"/>
-                <a:ea typeface="+mj-ea"/>
-                <a:cs typeface="+mj-cs"/>
-              </a:defRPr>
-            </a:lvl1pPr>
-          </a:lstStyle>
-          <a:p>
-            <a:r>
-              <a:rPr lang="en-CA" sz="3600"/>
-              <a:t>Results: Summary</a:t>
-            </a:r>
-            <a:endParaRPr lang="en-CA" sz="3600" dirty="0"/>
-          </a:p>
-        </p:txBody>
-      </p:sp>
-      <p:pic>
-        <p:nvPicPr>
-          <p:cNvPr id="5" name="Picture 4">
-            <a:extLst>
-              <a:ext uri="{FF2B5EF4-FFF2-40B4-BE49-F238E27FC236}">
-                <a16:creationId xmlns:a16="http://schemas.microsoft.com/office/drawing/2014/main" id="{6C9F444F-7D72-45B9-BB78-AA2CC751C413}"/>
-              </a:ext>
-            </a:extLst>
-          </p:cNvPr>
-          <p:cNvPicPr>
-            <a:picLocks noChangeAspect="1"/>
-          </p:cNvPicPr>
-          <p:nvPr/>
-        </p:nvPicPr>
-        <p:blipFill>
-          <a:blip r:embed="rId3" cstate="hqprint">
-            <a:extLst>
-              <a:ext uri="{28A0092B-C50C-407E-A947-70E740481C1C}">
-                <a14:useLocalDpi xmlns:a14="http://schemas.microsoft.com/office/drawing/2010/main" val="0"/>
-              </a:ext>
-            </a:extLst>
-          </a:blip>
-          <a:stretch>
-            <a:fillRect/>
-          </a:stretch>
-        </p:blipFill>
-        <p:spPr>
-          <a:xfrm>
-            <a:off x="9916160" y="365125"/>
-            <a:ext cx="1437640" cy="418937"/>
-          </a:xfrm>
-          <a:prstGeom prst="rect">
-            <a:avLst/>
-          </a:prstGeom>
-        </p:spPr>
-      </p:pic>
-      <p:sp>
-        <p:nvSpPr>
-          <p:cNvPr id="7" name="TextBox 6">
-            <a:extLst>
-              <a:ext uri="{FF2B5EF4-FFF2-40B4-BE49-F238E27FC236}">
-                <a16:creationId xmlns:a16="http://schemas.microsoft.com/office/drawing/2014/main" id="{C4AF1022-4AE4-4B9F-9984-6EF8E1CA80CC}"/>
+                <a16:creationId xmlns:a16="http://schemas.microsoft.com/office/drawing/2014/main" id="{F1592D17-EAD6-4761-B571-1F97A55D070D}"/>
               </a:ext>
             </a:extLst>
           </p:cNvPr>
@@ -22248,8 +21999,8 @@
         </p:nvSpPr>
         <p:spPr>
           <a:xfrm>
-            <a:off x="7571317" y="1127760"/>
-            <a:ext cx="3782483" cy="3046988"/>
+            <a:off x="4164408" y="4633777"/>
+            <a:ext cx="1706880" cy="400110"/>
           </a:xfrm>
           <a:prstGeom prst="rect">
             <a:avLst/>
@@ -22263,52 +22014,32 @@
           <a:lstStyle/>
           <a:p>
             <a:r>
-              <a:rPr lang="en-CA" sz="2400" dirty="0">
+              <a:rPr lang="en-CA" sz="1000" dirty="0">
                 <a:solidFill>
                   <a:schemeClr val="accent1"/>
                 </a:solidFill>
               </a:rPr>
-              <a:t>Our solution as a way to:</a:t>
-            </a:r>
-          </a:p>
-          <a:p>
-            <a:pPr marL="285750" indent="-285750">
-              <a:buFont typeface="Arial" panose="020B0604020202020204" pitchFamily="34" charset="0"/>
-              <a:buChar char="•"/>
-            </a:pPr>
-            <a:r>
-              <a:rPr lang="en-CA" sz="2400" dirty="0"/>
-              <a:t>Prevent customers from leaving the restaurant</a:t>
-            </a:r>
-          </a:p>
-          <a:p>
-            <a:pPr marL="285750" indent="-285750">
-              <a:buFont typeface="Arial" panose="020B0604020202020204" pitchFamily="34" charset="0"/>
-              <a:buChar char="•"/>
-            </a:pPr>
-            <a:endParaRPr lang="en-CA" sz="2400" dirty="0"/>
-          </a:p>
-          <a:p>
-            <a:pPr marL="285750" indent="-285750">
-              <a:spcAft>
-                <a:spcPts val="1200"/>
-              </a:spcAft>
-              <a:buFont typeface="Arial" panose="020B0604020202020204" pitchFamily="34" charset="0"/>
-              <a:buChar char="•"/>
-            </a:pPr>
-            <a:r>
-              <a:rPr lang="en-CA" sz="2400" dirty="0"/>
-              <a:t>But not increase the average number of occasions of sharing tables significantly</a:t>
+              <a:t>Golden section VNS (policy 2)</a:t>
+            </a:r>
+          </a:p>
+          <a:p>
+            <a:r>
+              <a:rPr lang="en-CA" sz="1000" dirty="0">
+                <a:solidFill>
+                  <a:schemeClr val="accent1"/>
+                </a:solidFill>
+              </a:rPr>
+              <a:t>Mean Profit: 13,865</a:t>
             </a:r>
           </a:p>
         </p:txBody>
       </p:sp>
       <p:sp>
         <p:nvSpPr>
-          <p:cNvPr id="14" name="TextBox 13">
+          <p:cNvPr id="15" name="TextBox 14">
             <a:extLst>
               <a:ext uri="{FF2B5EF4-FFF2-40B4-BE49-F238E27FC236}">
-                <a16:creationId xmlns:a16="http://schemas.microsoft.com/office/drawing/2014/main" id="{F1592D17-EAD6-4761-B571-1F97A55D070D}"/>
+                <a16:creationId xmlns:a16="http://schemas.microsoft.com/office/drawing/2014/main" id="{DAC1DB3D-F7B1-4B8A-A503-9A7E003FE741}"/>
               </a:ext>
             </a:extLst>
           </p:cNvPr>
@@ -22317,7 +22048,7 @@
         </p:nvSpPr>
         <p:spPr>
           <a:xfrm>
-            <a:off x="1813111" y="4784225"/>
+            <a:off x="2273420" y="4833832"/>
             <a:ext cx="1706880" cy="400110"/>
           </a:xfrm>
           <a:prstGeom prst="rect">
@@ -22335,10 +22066,10 @@
             <a:r>
               <a:rPr lang="en-CA" sz="1000" dirty="0">
                 <a:solidFill>
-                  <a:schemeClr val="accent1"/>
+                  <a:srgbClr val="FF0000"/>
                 </a:solidFill>
               </a:rPr>
-              <a:t>Golden section VNS (policy 2)</a:t>
+              <a:t>Golden section VNS (policy 1)</a:t>
             </a:r>
           </a:p>
           <a:p>
@@ -22346,20 +22077,20 @@
             <a:r>
               <a:rPr lang="en-CA" sz="1000" dirty="0">
                 <a:solidFill>
-                  <a:schemeClr val="accent1"/>
+                  <a:srgbClr val="FF0000"/>
                 </a:solidFill>
               </a:rPr>
-              <a:t>Mean Profit: 13,865</a:t>
+              <a:t>Mean Profit: 13,781</a:t>
             </a:r>
           </a:p>
         </p:txBody>
       </p:sp>
       <p:sp>
         <p:nvSpPr>
-          <p:cNvPr id="15" name="TextBox 14">
+          <p:cNvPr id="16" name="TextBox 15">
             <a:extLst>
               <a:ext uri="{FF2B5EF4-FFF2-40B4-BE49-F238E27FC236}">
-                <a16:creationId xmlns:a16="http://schemas.microsoft.com/office/drawing/2014/main" id="{DAC1DB3D-F7B1-4B8A-A503-9A7E003FE741}"/>
+                <a16:creationId xmlns:a16="http://schemas.microsoft.com/office/drawing/2014/main" id="{3C0E9117-EA43-4BB0-B8DA-9E72C874A8C0}"/>
               </a:ext>
             </a:extLst>
           </p:cNvPr>
@@ -22368,7 +22099,7 @@
         </p:nvSpPr>
         <p:spPr>
           <a:xfrm>
-            <a:off x="3715801" y="5092839"/>
+            <a:off x="4506715" y="1645741"/>
             <a:ext cx="1706880" cy="400110"/>
           </a:xfrm>
           <a:prstGeom prst="rect">
@@ -22382,33 +22113,27 @@
           </a:bodyPr>
           <a:lstStyle/>
           <a:p>
-            <a:r>
-              <a:rPr lang="en-CA" sz="1000" dirty="0">
-                <a:solidFill>
-                  <a:srgbClr val="FF0000"/>
-                </a:solidFill>
-              </a:rPr>
-              <a:t>Golden section VNS (policy 1)</a:t>
-            </a:r>
-          </a:p>
-          <a:p>
-            <a:r>
-              <a:rPr lang="en-CA" sz="1000" dirty="0">
-                <a:solidFill>
-                  <a:srgbClr val="FF0000"/>
-                </a:solidFill>
-              </a:rPr>
-              <a:t>Mean Profit: 13,781</a:t>
+            <a:pPr algn="r"/>
+            <a:r>
+              <a:rPr lang="en-CA" sz="1000" dirty="0"/>
+              <a:t>Naïve Solution</a:t>
+            </a:r>
+          </a:p>
+          <a:p>
+            <a:pPr algn="r"/>
+            <a:r>
+              <a:rPr lang="en-CA" sz="1000" dirty="0"/>
+              <a:t>Mean Profit: 11,419</a:t>
             </a:r>
           </a:p>
         </p:txBody>
       </p:sp>
       <p:sp>
         <p:nvSpPr>
-          <p:cNvPr id="16" name="TextBox 15">
+          <p:cNvPr id="17" name="TextBox 16">
             <a:extLst>
               <a:ext uri="{FF2B5EF4-FFF2-40B4-BE49-F238E27FC236}">
-                <a16:creationId xmlns:a16="http://schemas.microsoft.com/office/drawing/2014/main" id="{3C0E9117-EA43-4BB0-B8DA-9E72C874A8C0}"/>
+                <a16:creationId xmlns:a16="http://schemas.microsoft.com/office/drawing/2014/main" id="{022E4CC2-0710-4AE6-B690-CCF6BCAFB3A6}"/>
               </a:ext>
             </a:extLst>
           </p:cNvPr>
@@ -22417,7 +22142,7 @@
         </p:nvSpPr>
         <p:spPr>
           <a:xfrm>
-            <a:off x="1515407" y="1622399"/>
+            <a:off x="1312" y="4760882"/>
             <a:ext cx="1706880" cy="400110"/>
           </a:xfrm>
           <a:prstGeom prst="rect">
@@ -22431,53 +22156,14 @@
           </a:bodyPr>
           <a:lstStyle/>
           <a:p>
-            <a:r>
-              <a:rPr lang="en-CA" sz="1000" dirty="0"/>
-              <a:t>Naïve Solution</a:t>
-            </a:r>
-          </a:p>
-          <a:p>
-            <a:r>
-              <a:rPr lang="en-CA" sz="1000" dirty="0"/>
-              <a:t>Mean Profit: 11,419</a:t>
-            </a:r>
-          </a:p>
-        </p:txBody>
-      </p:sp>
-      <p:sp>
-        <p:nvSpPr>
-          <p:cNvPr id="17" name="TextBox 16">
-            <a:extLst>
-              <a:ext uri="{FF2B5EF4-FFF2-40B4-BE49-F238E27FC236}">
-                <a16:creationId xmlns:a16="http://schemas.microsoft.com/office/drawing/2014/main" id="{022E4CC2-0710-4AE6-B690-CCF6BCAFB3A6}"/>
-              </a:ext>
-            </a:extLst>
-          </p:cNvPr>
-          <p:cNvSpPr txBox="1"/>
-          <p:nvPr/>
-        </p:nvSpPr>
-        <p:spPr>
-          <a:xfrm>
-            <a:off x="6075982" y="4892784"/>
-            <a:ext cx="1706880" cy="400110"/>
-          </a:xfrm>
-          <a:prstGeom prst="rect">
-            <a:avLst/>
-          </a:prstGeom>
-          <a:noFill/>
-        </p:spPr>
-        <p:txBody>
-          <a:bodyPr wrap="square" rtlCol="0">
-            <a:spAutoFit/>
-          </a:bodyPr>
-          <a:lstStyle/>
-          <a:p>
+            <a:pPr algn="r"/>
             <a:r>
               <a:rPr lang="en-CA" sz="1000" dirty="0"/>
               <a:t>Greedy Solution</a:t>
             </a:r>
           </a:p>
           <a:p>
+            <a:pPr algn="r"/>
             <a:r>
               <a:rPr lang="en-CA" sz="1000" dirty="0"/>
               <a:t>Mean Profit: 12,238</a:t>
@@ -22494,13 +22180,15 @@
               </a:ext>
             </a:extLst>
           </p:cNvPr>
-          <p:cNvCxnSpPr/>
+          <p:cNvCxnSpPr>
+            <a:cxnSpLocks/>
+          </p:cNvCxnSpPr>
           <p:nvPr/>
         </p:nvCxnSpPr>
         <p:spPr>
           <a:xfrm flipV="1">
-            <a:off x="3715801" y="1413810"/>
-            <a:ext cx="0" cy="3979109"/>
+            <a:off x="3967718" y="1503680"/>
+            <a:ext cx="0" cy="3657312"/>
           </a:xfrm>
           <a:prstGeom prst="line">
             <a:avLst/>
@@ -22545,7 +22233,7 @@
         </p:nvCxnSpPr>
         <p:spPr>
           <a:xfrm flipH="1">
-            <a:off x="1371601" y="3403366"/>
+            <a:off x="1618100" y="3352512"/>
             <a:ext cx="4724399" cy="0"/>
           </a:xfrm>
           <a:prstGeom prst="line">
@@ -22578,7 +22266,319 @@
     </p:spTree>
     <p:extLst>
       <p:ext uri="{BB962C8B-B14F-4D97-AF65-F5344CB8AC3E}">
-        <p14:creationId xmlns:p14="http://schemas.microsoft.com/office/powerpoint/2010/main" val="368659183"/>
+        <p14:creationId xmlns:p14="http://schemas.microsoft.com/office/powerpoint/2010/main" val="524645900"/>
+      </p:ext>
+    </p:extLst>
+  </p:cSld>
+  <p:clrMapOvr>
+    <a:masterClrMapping/>
+  </p:clrMapOvr>
+</p:sld>
+</file>
+
+<file path=ppt/slides/slide38.xml><?xml version="1.0" encoding="utf-8"?>
+<p:sld xmlns:a="http://schemas.openxmlformats.org/drawingml/2006/main" xmlns:r="http://schemas.openxmlformats.org/officeDocument/2006/relationships" xmlns:p="http://schemas.openxmlformats.org/presentationml/2006/main">
+  <p:cSld>
+    <p:spTree>
+      <p:nvGrpSpPr>
+        <p:cNvPr id="1" name=""/>
+        <p:cNvGrpSpPr/>
+        <p:nvPr/>
+      </p:nvGrpSpPr>
+      <p:grpSpPr>
+        <a:xfrm>
+          <a:off x="0" y="0"/>
+          <a:ext cx="0" cy="0"/>
+          <a:chOff x="0" y="0"/>
+          <a:chExt cx="0" cy="0"/>
+        </a:xfrm>
+      </p:grpSpPr>
+      <p:pic>
+        <p:nvPicPr>
+          <p:cNvPr id="6" name="Content Placeholder 5">
+            <a:extLst>
+              <a:ext uri="{FF2B5EF4-FFF2-40B4-BE49-F238E27FC236}">
+                <a16:creationId xmlns:a16="http://schemas.microsoft.com/office/drawing/2014/main" id="{085CB1BE-2568-4D36-962B-9B304C3A7293}"/>
+              </a:ext>
+            </a:extLst>
+          </p:cNvPr>
+          <p:cNvPicPr>
+            <a:picLocks noGrp="1" noChangeAspect="1"/>
+          </p:cNvPicPr>
+          <p:nvPr>
+            <p:ph idx="1"/>
+          </p:nvPr>
+        </p:nvPicPr>
+        <p:blipFill>
+          <a:blip r:embed="rId2">
+            <a:extLst>
+              <a:ext uri="{28A0092B-C50C-407E-A947-70E740481C1C}">
+                <a14:useLocalDpi xmlns:a14="http://schemas.microsoft.com/office/drawing/2010/main" val="0"/>
+              </a:ext>
+            </a:extLst>
+          </a:blip>
+          <a:stretch>
+            <a:fillRect/>
+          </a:stretch>
+        </p:blipFill>
+        <p:spPr>
+          <a:xfrm>
+            <a:off x="838200" y="1127760"/>
+            <a:ext cx="6733117" cy="5049838"/>
+          </a:xfrm>
+        </p:spPr>
+      </p:pic>
+      <p:sp>
+        <p:nvSpPr>
+          <p:cNvPr id="4" name="Title 1">
+            <a:extLst>
+              <a:ext uri="{FF2B5EF4-FFF2-40B4-BE49-F238E27FC236}">
+                <a16:creationId xmlns:a16="http://schemas.microsoft.com/office/drawing/2014/main" id="{BED9B4B6-A2F7-429A-BC0B-C80004A4CE86}"/>
+              </a:ext>
+            </a:extLst>
+          </p:cNvPr>
+          <p:cNvSpPr txBox="1">
+            <a:spLocks/>
+          </p:cNvSpPr>
+          <p:nvPr/>
+        </p:nvSpPr>
+        <p:spPr>
+          <a:xfrm>
+            <a:off x="838200" y="365125"/>
+            <a:ext cx="10515600" cy="762635"/>
+          </a:xfrm>
+          <a:prstGeom prst="rect">
+            <a:avLst/>
+          </a:prstGeom>
+        </p:spPr>
+        <p:txBody>
+          <a:bodyPr vert="horz" lIns="91440" tIns="45720" rIns="91440" bIns="45720" rtlCol="0" anchor="ctr">
+            <a:normAutofit/>
+          </a:bodyPr>
+          <a:lstStyle>
+            <a:lvl1pPr algn="l" defTabSz="914400" rtl="0" eaLnBrk="1" latinLnBrk="0" hangingPunct="1">
+              <a:lnSpc>
+                <a:spcPct val="90000"/>
+              </a:lnSpc>
+              <a:spcBef>
+                <a:spcPct val="0"/>
+              </a:spcBef>
+              <a:buNone/>
+              <a:defRPr sz="4400" kern="1200">
+                <a:solidFill>
+                  <a:schemeClr val="tx1"/>
+                </a:solidFill>
+                <a:latin typeface="+mj-lt"/>
+                <a:ea typeface="+mj-ea"/>
+                <a:cs typeface="+mj-cs"/>
+              </a:defRPr>
+            </a:lvl1pPr>
+          </a:lstStyle>
+          <a:p>
+            <a:r>
+              <a:rPr lang="en-CA" sz="3600"/>
+              <a:t>Results: Summary</a:t>
+            </a:r>
+            <a:endParaRPr lang="en-CA" sz="3600" dirty="0"/>
+          </a:p>
+        </p:txBody>
+      </p:sp>
+      <p:pic>
+        <p:nvPicPr>
+          <p:cNvPr id="5" name="Picture 4">
+            <a:extLst>
+              <a:ext uri="{FF2B5EF4-FFF2-40B4-BE49-F238E27FC236}">
+                <a16:creationId xmlns:a16="http://schemas.microsoft.com/office/drawing/2014/main" id="{6C9F444F-7D72-45B9-BB78-AA2CC751C413}"/>
+              </a:ext>
+            </a:extLst>
+          </p:cNvPr>
+          <p:cNvPicPr>
+            <a:picLocks noChangeAspect="1"/>
+          </p:cNvPicPr>
+          <p:nvPr/>
+        </p:nvPicPr>
+        <p:blipFill>
+          <a:blip r:embed="rId3" cstate="hqprint">
+            <a:extLst>
+              <a:ext uri="{28A0092B-C50C-407E-A947-70E740481C1C}">
+                <a14:useLocalDpi xmlns:a14="http://schemas.microsoft.com/office/drawing/2010/main" val="0"/>
+              </a:ext>
+            </a:extLst>
+          </a:blip>
+          <a:stretch>
+            <a:fillRect/>
+          </a:stretch>
+        </p:blipFill>
+        <p:spPr>
+          <a:xfrm>
+            <a:off x="9916160" y="365125"/>
+            <a:ext cx="1437640" cy="418937"/>
+          </a:xfrm>
+          <a:prstGeom prst="rect">
+            <a:avLst/>
+          </a:prstGeom>
+        </p:spPr>
+      </p:pic>
+      <p:sp>
+        <p:nvSpPr>
+          <p:cNvPr id="7" name="TextBox 6">
+            <a:extLst>
+              <a:ext uri="{FF2B5EF4-FFF2-40B4-BE49-F238E27FC236}">
+                <a16:creationId xmlns:a16="http://schemas.microsoft.com/office/drawing/2014/main" id="{C4AF1022-4AE4-4B9F-9984-6EF8E1CA80CC}"/>
+              </a:ext>
+            </a:extLst>
+          </p:cNvPr>
+          <p:cNvSpPr txBox="1"/>
+          <p:nvPr/>
+        </p:nvSpPr>
+        <p:spPr>
+          <a:xfrm>
+            <a:off x="7571317" y="1127760"/>
+            <a:ext cx="3782483" cy="4955203"/>
+          </a:xfrm>
+          <a:prstGeom prst="rect">
+            <a:avLst/>
+          </a:prstGeom>
+          <a:noFill/>
+        </p:spPr>
+        <p:txBody>
+          <a:bodyPr wrap="square" rtlCol="0">
+            <a:spAutoFit/>
+          </a:bodyPr>
+          <a:lstStyle/>
+          <a:p>
+            <a:r>
+              <a:rPr lang="en-CA" sz="2400" dirty="0">
+                <a:solidFill>
+                  <a:schemeClr val="accent1"/>
+                </a:solidFill>
+              </a:rPr>
+              <a:t>Our solution as a way to:</a:t>
+            </a:r>
+          </a:p>
+          <a:p>
+            <a:pPr marL="285750" indent="-285750">
+              <a:buFont typeface="Arial" panose="020B0604020202020204" pitchFamily="34" charset="0"/>
+              <a:buChar char="•"/>
+            </a:pPr>
+            <a:r>
+              <a:rPr lang="en-CA" sz="2400" dirty="0"/>
+              <a:t>Prevent customers from leaving our restaurant</a:t>
+            </a:r>
+          </a:p>
+          <a:p>
+            <a:pPr marL="285750" indent="-285750">
+              <a:buFont typeface="Arial" panose="020B0604020202020204" pitchFamily="34" charset="0"/>
+              <a:buChar char="•"/>
+            </a:pPr>
+            <a:endParaRPr lang="en-CA" sz="2400" dirty="0"/>
+          </a:p>
+          <a:p>
+            <a:pPr marL="285750" indent="-285750">
+              <a:spcAft>
+                <a:spcPts val="1200"/>
+              </a:spcAft>
+              <a:buFont typeface="Arial" panose="020B0604020202020204" pitchFamily="34" charset="0"/>
+              <a:buChar char="•"/>
+            </a:pPr>
+            <a:r>
+              <a:rPr lang="en-CA" sz="2400" dirty="0"/>
+              <a:t>But not increase the average number of occasions of sharing tables significantly</a:t>
+            </a:r>
+          </a:p>
+          <a:p>
+            <a:pPr lvl="1">
+              <a:spcAft>
+                <a:spcPts val="1200"/>
+              </a:spcAft>
+            </a:pPr>
+            <a:r>
+              <a:rPr lang="en-CA" sz="1600" dirty="0">
+                <a:solidFill>
+                  <a:schemeClr val="accent2"/>
+                </a:solidFill>
+              </a:rPr>
+              <a:t>Avg. number of customers who share tables (per day): </a:t>
+            </a:r>
+          </a:p>
+          <a:p>
+            <a:r>
+              <a:rPr lang="en-CA" sz="1600" dirty="0">
+                <a:solidFill>
+                  <a:schemeClr val="accent2"/>
+                </a:solidFill>
+              </a:rPr>
+              <a:t>	Naïve solution: </a:t>
+            </a:r>
+            <a:r>
+              <a:rPr lang="en-CA" sz="1600" b="1" dirty="0">
+                <a:solidFill>
+                  <a:schemeClr val="accent2"/>
+                </a:solidFill>
+              </a:rPr>
+              <a:t>6.5</a:t>
+            </a:r>
+          </a:p>
+          <a:p>
+            <a:r>
+              <a:rPr lang="en-CA" sz="1600" dirty="0">
+                <a:solidFill>
+                  <a:schemeClr val="accent2"/>
+                </a:solidFill>
+              </a:rPr>
+              <a:t>	Greedy solution: </a:t>
+            </a:r>
+            <a:r>
+              <a:rPr lang="en-CA" sz="1600" b="1" dirty="0">
+                <a:solidFill>
+                  <a:schemeClr val="accent2"/>
+                </a:solidFill>
+              </a:rPr>
+              <a:t>1.1</a:t>
+            </a:r>
+          </a:p>
+          <a:p>
+            <a:r>
+              <a:rPr lang="en-CA" sz="1600" dirty="0">
+                <a:solidFill>
+                  <a:schemeClr val="accent2"/>
+                </a:solidFill>
+              </a:rPr>
+              <a:t>	Golden section VNS (policy 1): </a:t>
+            </a:r>
+            <a:r>
+              <a:rPr lang="en-CA" sz="1600" b="1" dirty="0">
+                <a:solidFill>
+                  <a:schemeClr val="accent2"/>
+                </a:solidFill>
+              </a:rPr>
+              <a:t>1.1</a:t>
+            </a:r>
+          </a:p>
+          <a:p>
+            <a:r>
+              <a:rPr lang="en-CA" sz="1600" dirty="0">
+                <a:solidFill>
+                  <a:schemeClr val="accent2"/>
+                </a:solidFill>
+              </a:rPr>
+              <a:t>	Golden section VNS (policy 2): </a:t>
+            </a:r>
+            <a:r>
+              <a:rPr lang="en-CA" sz="1600" b="1" dirty="0">
+                <a:solidFill>
+                  <a:schemeClr val="accent2"/>
+                </a:solidFill>
+              </a:rPr>
+              <a:t>1.3</a:t>
+            </a:r>
+          </a:p>
+        </p:txBody>
+      </p:sp>
+    </p:spTree>
+    <p:extLst>
+      <p:ext uri="{BB962C8B-B14F-4D97-AF65-F5344CB8AC3E}">
+        <p14:creationId xmlns:p14="http://schemas.microsoft.com/office/powerpoint/2010/main" val="3841013724"/>
       </p:ext>
     </p:extLst>
   </p:cSld>
